--- a/GeoShare.pptx
+++ b/GeoShare.pptx
@@ -121,6 +121,11 @@
       </a:defRPr>
     </a:lvl9pPr>
   </p:defaultTextStyle>
+  <p:extLst>
+    <p:ext uri="{EFAFB233-063F-42B5-8137-9DF3F51BA10A}">
+      <p15:sldGuideLst xmlns:p15="http://schemas.microsoft.com/office/powerpoint/2012/main"/>
+    </p:ext>
+  </p:extLst>
 </p:presentation>
 </file>
 
@@ -200,7 +205,7 @@
           </a:lstStyle>
           <a:p>
             <a:r>
-              <a:rPr lang="en-US" smtClean="0"/>
+              <a:rPr lang="en-US"/>
               <a:t>Click to edit Master title style</a:t>
             </a:r>
             <a:endParaRPr lang="en-US" dirty="0"/>
@@ -275,7 +280,7 @@
           </a:lstStyle>
           <a:p>
             <a:r>
-              <a:rPr lang="en-US" smtClean="0"/>
+              <a:rPr lang="en-US"/>
               <a:t>Click to edit Master subtitle style</a:t>
             </a:r>
             <a:endParaRPr lang="en-US" dirty="0"/>
@@ -299,7 +304,7 @@
           <a:p>
             <a:fld id="{20DC1001-06E9-4761-9BA2-4DC017319F3E}" type="datetimeFigureOut">
               <a:rPr lang="en-IN" smtClean="0"/>
-              <a:t>28-04-2018</a:t>
+              <a:t>23-06-2018</a:t>
             </a:fld>
             <a:endParaRPr lang="en-IN"/>
           </a:p>
@@ -393,7 +398,7 @@
           <a:lstStyle/>
           <a:p>
             <a:r>
-              <a:rPr lang="en-US" smtClean="0"/>
+              <a:rPr lang="en-US"/>
               <a:t>Click to edit Master title style</a:t>
             </a:r>
             <a:endParaRPr lang="en-US" dirty="0"/>
@@ -417,35 +422,35 @@
           <a:p>
             <a:pPr lvl="0"/>
             <a:r>
-              <a:rPr lang="en-US" smtClean="0"/>
+              <a:rPr lang="en-US"/>
               <a:t>Edit Master text styles</a:t>
             </a:r>
           </a:p>
           <a:p>
             <a:pPr lvl="1"/>
             <a:r>
-              <a:rPr lang="en-US" smtClean="0"/>
+              <a:rPr lang="en-US"/>
               <a:t>Second level</a:t>
             </a:r>
           </a:p>
           <a:p>
             <a:pPr lvl="2"/>
             <a:r>
-              <a:rPr lang="en-US" smtClean="0"/>
+              <a:rPr lang="en-US"/>
               <a:t>Third level</a:t>
             </a:r>
           </a:p>
           <a:p>
             <a:pPr lvl="3"/>
             <a:r>
-              <a:rPr lang="en-US" smtClean="0"/>
+              <a:rPr lang="en-US"/>
               <a:t>Fourth level</a:t>
             </a:r>
           </a:p>
           <a:p>
             <a:pPr lvl="4"/>
             <a:r>
-              <a:rPr lang="en-US" smtClean="0"/>
+              <a:rPr lang="en-US"/>
               <a:t>Fifth level</a:t>
             </a:r>
             <a:endParaRPr lang="en-US" dirty="0"/>
@@ -469,7 +474,7 @@
           <a:p>
             <a:fld id="{20DC1001-06E9-4761-9BA2-4DC017319F3E}" type="datetimeFigureOut">
               <a:rPr lang="en-IN" smtClean="0"/>
-              <a:t>28-04-2018</a:t>
+              <a:t>23-06-2018</a:t>
             </a:fld>
             <a:endParaRPr lang="en-IN"/>
           </a:p>
@@ -568,7 +573,7 @@
           <a:lstStyle/>
           <a:p>
             <a:r>
-              <a:rPr lang="en-US" smtClean="0"/>
+              <a:rPr lang="en-US"/>
               <a:t>Click to edit Master title style</a:t>
             </a:r>
             <a:endParaRPr lang="en-US" dirty="0"/>
@@ -597,35 +602,35 @@
           <a:p>
             <a:pPr lvl="0"/>
             <a:r>
-              <a:rPr lang="en-US" smtClean="0"/>
+              <a:rPr lang="en-US"/>
               <a:t>Edit Master text styles</a:t>
             </a:r>
           </a:p>
           <a:p>
             <a:pPr lvl="1"/>
             <a:r>
-              <a:rPr lang="en-US" smtClean="0"/>
+              <a:rPr lang="en-US"/>
               <a:t>Second level</a:t>
             </a:r>
           </a:p>
           <a:p>
             <a:pPr lvl="2"/>
             <a:r>
-              <a:rPr lang="en-US" smtClean="0"/>
+              <a:rPr lang="en-US"/>
               <a:t>Third level</a:t>
             </a:r>
           </a:p>
           <a:p>
             <a:pPr lvl="3"/>
             <a:r>
-              <a:rPr lang="en-US" smtClean="0"/>
+              <a:rPr lang="en-US"/>
               <a:t>Fourth level</a:t>
             </a:r>
           </a:p>
           <a:p>
             <a:pPr lvl="4"/>
             <a:r>
-              <a:rPr lang="en-US" smtClean="0"/>
+              <a:rPr lang="en-US"/>
               <a:t>Fifth level</a:t>
             </a:r>
             <a:endParaRPr lang="en-US" dirty="0"/>
@@ -649,7 +654,7 @@
           <a:p>
             <a:fld id="{20DC1001-06E9-4761-9BA2-4DC017319F3E}" type="datetimeFigureOut">
               <a:rPr lang="en-IN" smtClean="0"/>
-              <a:t>28-04-2018</a:t>
+              <a:t>23-06-2018</a:t>
             </a:fld>
             <a:endParaRPr lang="en-IN"/>
           </a:p>
@@ -743,7 +748,7 @@
           <a:lstStyle/>
           <a:p>
             <a:r>
-              <a:rPr lang="en-US" smtClean="0"/>
+              <a:rPr lang="en-US"/>
               <a:t>Click to edit Master title style</a:t>
             </a:r>
             <a:endParaRPr lang="en-US" dirty="0"/>
@@ -767,35 +772,35 @@
           <a:p>
             <a:pPr lvl="0"/>
             <a:r>
-              <a:rPr lang="en-US" smtClean="0"/>
+              <a:rPr lang="en-US"/>
               <a:t>Edit Master text styles</a:t>
             </a:r>
           </a:p>
           <a:p>
             <a:pPr lvl="1"/>
             <a:r>
-              <a:rPr lang="en-US" smtClean="0"/>
+              <a:rPr lang="en-US"/>
               <a:t>Second level</a:t>
             </a:r>
           </a:p>
           <a:p>
             <a:pPr lvl="2"/>
             <a:r>
-              <a:rPr lang="en-US" smtClean="0"/>
+              <a:rPr lang="en-US"/>
               <a:t>Third level</a:t>
             </a:r>
           </a:p>
           <a:p>
             <a:pPr lvl="3"/>
             <a:r>
-              <a:rPr lang="en-US" smtClean="0"/>
+              <a:rPr lang="en-US"/>
               <a:t>Fourth level</a:t>
             </a:r>
           </a:p>
           <a:p>
             <a:pPr lvl="4"/>
             <a:r>
-              <a:rPr lang="en-US" smtClean="0"/>
+              <a:rPr lang="en-US"/>
               <a:t>Fifth level</a:t>
             </a:r>
             <a:endParaRPr lang="en-US" dirty="0"/>
@@ -819,7 +824,7 @@
           <a:p>
             <a:fld id="{20DC1001-06E9-4761-9BA2-4DC017319F3E}" type="datetimeFigureOut">
               <a:rPr lang="en-IN" smtClean="0"/>
-              <a:t>28-04-2018</a:t>
+              <a:t>23-06-2018</a:t>
             </a:fld>
             <a:endParaRPr lang="en-IN"/>
           </a:p>
@@ -944,7 +949,7 @@
           </a:lstStyle>
           <a:p>
             <a:r>
-              <a:rPr lang="en-US" smtClean="0"/>
+              <a:rPr lang="en-US"/>
               <a:t>Click to edit Master title style</a:t>
             </a:r>
             <a:endParaRPr lang="en-US" dirty="0"/>
@@ -1064,7 +1069,7 @@
           <a:p>
             <a:pPr lvl="0"/>
             <a:r>
-              <a:rPr lang="en-US" smtClean="0"/>
+              <a:rPr lang="en-US"/>
               <a:t>Edit Master text styles</a:t>
             </a:r>
           </a:p>
@@ -1087,7 +1092,7 @@
           <a:p>
             <a:fld id="{20DC1001-06E9-4761-9BA2-4DC017319F3E}" type="datetimeFigureOut">
               <a:rPr lang="en-IN" smtClean="0"/>
-              <a:t>28-04-2018</a:t>
+              <a:t>23-06-2018</a:t>
             </a:fld>
             <a:endParaRPr lang="en-IN"/>
           </a:p>
@@ -1181,7 +1186,7 @@
           <a:lstStyle/>
           <a:p>
             <a:r>
-              <a:rPr lang="en-US" smtClean="0"/>
+              <a:rPr lang="en-US"/>
               <a:t>Click to edit Master title style</a:t>
             </a:r>
             <a:endParaRPr lang="en-US" dirty="0"/>
@@ -1210,35 +1215,35 @@
           <a:p>
             <a:pPr lvl="0"/>
             <a:r>
-              <a:rPr lang="en-US" smtClean="0"/>
+              <a:rPr lang="en-US"/>
               <a:t>Edit Master text styles</a:t>
             </a:r>
           </a:p>
           <a:p>
             <a:pPr lvl="1"/>
             <a:r>
-              <a:rPr lang="en-US" smtClean="0"/>
+              <a:rPr lang="en-US"/>
               <a:t>Second level</a:t>
             </a:r>
           </a:p>
           <a:p>
             <a:pPr lvl="2"/>
             <a:r>
-              <a:rPr lang="en-US" smtClean="0"/>
+              <a:rPr lang="en-US"/>
               <a:t>Third level</a:t>
             </a:r>
           </a:p>
           <a:p>
             <a:pPr lvl="3"/>
             <a:r>
-              <a:rPr lang="en-US" smtClean="0"/>
+              <a:rPr lang="en-US"/>
               <a:t>Fourth level</a:t>
             </a:r>
           </a:p>
           <a:p>
             <a:pPr lvl="4"/>
             <a:r>
-              <a:rPr lang="en-US" smtClean="0"/>
+              <a:rPr lang="en-US"/>
               <a:t>Fifth level</a:t>
             </a:r>
             <a:endParaRPr lang="en-US" dirty="0"/>
@@ -1267,35 +1272,35 @@
           <a:p>
             <a:pPr lvl="0"/>
             <a:r>
-              <a:rPr lang="en-US" smtClean="0"/>
+              <a:rPr lang="en-US"/>
               <a:t>Edit Master text styles</a:t>
             </a:r>
           </a:p>
           <a:p>
             <a:pPr lvl="1"/>
             <a:r>
-              <a:rPr lang="en-US" smtClean="0"/>
+              <a:rPr lang="en-US"/>
               <a:t>Second level</a:t>
             </a:r>
           </a:p>
           <a:p>
             <a:pPr lvl="2"/>
             <a:r>
-              <a:rPr lang="en-US" smtClean="0"/>
+              <a:rPr lang="en-US"/>
               <a:t>Third level</a:t>
             </a:r>
           </a:p>
           <a:p>
             <a:pPr lvl="3"/>
             <a:r>
-              <a:rPr lang="en-US" smtClean="0"/>
+              <a:rPr lang="en-US"/>
               <a:t>Fourth level</a:t>
             </a:r>
           </a:p>
           <a:p>
             <a:pPr lvl="4"/>
             <a:r>
-              <a:rPr lang="en-US" smtClean="0"/>
+              <a:rPr lang="en-US"/>
               <a:t>Fifth level</a:t>
             </a:r>
             <a:endParaRPr lang="en-US" dirty="0"/>
@@ -1319,7 +1324,7 @@
           <a:p>
             <a:fld id="{20DC1001-06E9-4761-9BA2-4DC017319F3E}" type="datetimeFigureOut">
               <a:rPr lang="en-IN" smtClean="0"/>
-              <a:t>28-04-2018</a:t>
+              <a:t>23-06-2018</a:t>
             </a:fld>
             <a:endParaRPr lang="en-IN"/>
           </a:p>
@@ -1464,7 +1469,7 @@
           <a:p>
             <a:pPr lvl="0"/>
             <a:r>
-              <a:rPr lang="en-US" smtClean="0"/>
+              <a:rPr lang="en-US"/>
               <a:t>Edit Master text styles</a:t>
             </a:r>
           </a:p>
@@ -1492,35 +1497,35 @@
           <a:p>
             <a:pPr lvl="0"/>
             <a:r>
-              <a:rPr lang="en-US" smtClean="0"/>
+              <a:rPr lang="en-US"/>
               <a:t>Edit Master text styles</a:t>
             </a:r>
           </a:p>
           <a:p>
             <a:pPr lvl="1"/>
             <a:r>
-              <a:rPr lang="en-US" smtClean="0"/>
+              <a:rPr lang="en-US"/>
               <a:t>Second level</a:t>
             </a:r>
           </a:p>
           <a:p>
             <a:pPr lvl="2"/>
             <a:r>
-              <a:rPr lang="en-US" smtClean="0"/>
+              <a:rPr lang="en-US"/>
               <a:t>Third level</a:t>
             </a:r>
           </a:p>
           <a:p>
             <a:pPr lvl="3"/>
             <a:r>
-              <a:rPr lang="en-US" smtClean="0"/>
+              <a:rPr lang="en-US"/>
               <a:t>Fourth level</a:t>
             </a:r>
           </a:p>
           <a:p>
             <a:pPr lvl="4"/>
             <a:r>
-              <a:rPr lang="en-US" smtClean="0"/>
+              <a:rPr lang="en-US"/>
               <a:t>Fifth level</a:t>
             </a:r>
             <a:endParaRPr lang="en-US" dirty="0"/>
@@ -1553,35 +1558,35 @@
           <a:p>
             <a:pPr lvl="0"/>
             <a:r>
-              <a:rPr lang="en-US" smtClean="0"/>
+              <a:rPr lang="en-US"/>
               <a:t>Edit Master text styles</a:t>
             </a:r>
           </a:p>
           <a:p>
             <a:pPr lvl="1"/>
             <a:r>
-              <a:rPr lang="en-US" smtClean="0"/>
+              <a:rPr lang="en-US"/>
               <a:t>Second level</a:t>
             </a:r>
           </a:p>
           <a:p>
             <a:pPr lvl="2"/>
             <a:r>
-              <a:rPr lang="en-US" smtClean="0"/>
+              <a:rPr lang="en-US"/>
               <a:t>Third level</a:t>
             </a:r>
           </a:p>
           <a:p>
             <a:pPr lvl="3"/>
             <a:r>
-              <a:rPr lang="en-US" smtClean="0"/>
+              <a:rPr lang="en-US"/>
               <a:t>Fourth level</a:t>
             </a:r>
           </a:p>
           <a:p>
             <a:pPr lvl="4"/>
             <a:r>
-              <a:rPr lang="en-US" smtClean="0"/>
+              <a:rPr lang="en-US"/>
               <a:t>Fifth level</a:t>
             </a:r>
             <a:endParaRPr lang="en-US" dirty="0"/>
@@ -1655,7 +1660,7 @@
           <a:p>
             <a:pPr lvl="0"/>
             <a:r>
-              <a:rPr lang="en-US" smtClean="0"/>
+              <a:rPr lang="en-US"/>
               <a:t>Edit Master text styles</a:t>
             </a:r>
           </a:p>
@@ -1678,7 +1683,7 @@
           <a:p>
             <a:fld id="{20DC1001-06E9-4761-9BA2-4DC017319F3E}" type="datetimeFigureOut">
               <a:rPr lang="en-IN" smtClean="0"/>
-              <a:t>28-04-2018</a:t>
+              <a:t>23-06-2018</a:t>
             </a:fld>
             <a:endParaRPr lang="en-IN"/>
           </a:p>
@@ -1742,7 +1747,7 @@
           <a:lstStyle/>
           <a:p>
             <a:r>
-              <a:rPr lang="en-US" smtClean="0"/>
+              <a:rPr lang="en-US"/>
               <a:t>Click to edit Master title style</a:t>
             </a:r>
             <a:endParaRPr lang="en-US" dirty="0"/>
@@ -1795,7 +1800,7 @@
           <a:lstStyle/>
           <a:p>
             <a:r>
-              <a:rPr lang="en-US" smtClean="0"/>
+              <a:rPr lang="en-US"/>
               <a:t>Click to edit Master title style</a:t>
             </a:r>
             <a:endParaRPr lang="en-US" dirty="0"/>
@@ -1819,7 +1824,7 @@
           <a:p>
             <a:fld id="{20DC1001-06E9-4761-9BA2-4DC017319F3E}" type="datetimeFigureOut">
               <a:rPr lang="en-IN" smtClean="0"/>
-              <a:t>28-04-2018</a:t>
+              <a:t>23-06-2018</a:t>
             </a:fld>
             <a:endParaRPr lang="en-IN"/>
           </a:p>
@@ -1914,7 +1919,7 @@
           <a:p>
             <a:fld id="{20DC1001-06E9-4761-9BA2-4DC017319F3E}" type="datetimeFigureOut">
               <a:rPr lang="en-IN" smtClean="0"/>
-              <a:t>28-04-2018</a:t>
+              <a:t>23-06-2018</a:t>
             </a:fld>
             <a:endParaRPr lang="en-IN"/>
           </a:p>
@@ -2069,7 +2074,7 @@
           </a:lstStyle>
           <a:p>
             <a:r>
-              <a:rPr lang="en-US" smtClean="0"/>
+              <a:rPr lang="en-US"/>
               <a:t>Click to edit Master title style</a:t>
             </a:r>
             <a:endParaRPr lang="en-US" dirty="0"/>
@@ -2148,35 +2153,35 @@
           <a:p>
             <a:pPr lvl="0"/>
             <a:r>
-              <a:rPr lang="en-US" smtClean="0"/>
+              <a:rPr lang="en-US"/>
               <a:t>Edit Master text styles</a:t>
             </a:r>
           </a:p>
           <a:p>
             <a:pPr lvl="1"/>
             <a:r>
-              <a:rPr lang="en-US" smtClean="0"/>
+              <a:rPr lang="en-US"/>
               <a:t>Second level</a:t>
             </a:r>
           </a:p>
           <a:p>
             <a:pPr lvl="2"/>
             <a:r>
-              <a:rPr lang="en-US" smtClean="0"/>
+              <a:rPr lang="en-US"/>
               <a:t>Third level</a:t>
             </a:r>
           </a:p>
           <a:p>
             <a:pPr lvl="3"/>
             <a:r>
-              <a:rPr lang="en-US" smtClean="0"/>
+              <a:rPr lang="en-US"/>
               <a:t>Fourth level</a:t>
             </a:r>
           </a:p>
           <a:p>
             <a:pPr lvl="4"/>
             <a:r>
-              <a:rPr lang="en-US" smtClean="0"/>
+              <a:rPr lang="en-US"/>
               <a:t>Fifth level</a:t>
             </a:r>
             <a:endParaRPr lang="en-US" dirty="0"/>
@@ -2248,7 +2253,7 @@
           <a:p>
             <a:pPr lvl="0"/>
             <a:r>
-              <a:rPr lang="en-US" smtClean="0"/>
+              <a:rPr lang="en-US"/>
               <a:t>Edit Master text styles</a:t>
             </a:r>
           </a:p>
@@ -2271,7 +2276,7 @@
           <a:p>
             <a:fld id="{20DC1001-06E9-4761-9BA2-4DC017319F3E}" type="datetimeFigureOut">
               <a:rPr lang="en-IN" smtClean="0"/>
-              <a:t>28-04-2018</a:t>
+              <a:t>23-06-2018</a:t>
             </a:fld>
             <a:endParaRPr lang="en-IN"/>
           </a:p>
@@ -2441,7 +2446,7 @@
           </a:lstStyle>
           <a:p>
             <a:r>
-              <a:rPr lang="en-US" smtClean="0"/>
+              <a:rPr lang="en-US"/>
               <a:t>Click to edit Master title style</a:t>
             </a:r>
             <a:endParaRPr lang="en-US" dirty="0"/>
@@ -2518,7 +2523,7 @@
           </a:lstStyle>
           <a:p>
             <a:r>
-              <a:rPr lang="en-US" smtClean="0"/>
+              <a:rPr lang="en-US"/>
               <a:t>Click icon to add picture</a:t>
             </a:r>
             <a:endParaRPr lang="en-US" dirty="0"/>
@@ -2590,7 +2595,7 @@
           <a:p>
             <a:pPr lvl="0"/>
             <a:r>
-              <a:rPr lang="en-US" smtClean="0"/>
+              <a:rPr lang="en-US"/>
               <a:t>Edit Master text styles</a:t>
             </a:r>
           </a:p>
@@ -2628,7 +2633,7 @@
           <a:p>
             <a:fld id="{20DC1001-06E9-4761-9BA2-4DC017319F3E}" type="datetimeFigureOut">
               <a:rPr lang="en-IN" smtClean="0"/>
-              <a:t>28-04-2018</a:t>
+              <a:t>23-06-2018</a:t>
             </a:fld>
             <a:endParaRPr lang="en-IN"/>
           </a:p>
@@ -2766,7 +2771,7 @@
           <a:lstStyle/>
           <a:p>
             <a:r>
-              <a:rPr lang="en-US" smtClean="0"/>
+              <a:rPr lang="en-US"/>
               <a:t>Click to edit Master title style</a:t>
             </a:r>
             <a:endParaRPr lang="en-US" dirty="0"/>
@@ -2869,7 +2874,7 @@
           <a:p>
             <a:fld id="{20DC1001-06E9-4761-9BA2-4DC017319F3E}" type="datetimeFigureOut">
               <a:rPr lang="en-IN" smtClean="0"/>
-              <a:t>28-04-2018</a:t>
+              <a:t>23-06-2018</a:t>
             </a:fld>
             <a:endParaRPr lang="en-IN"/>
           </a:p>
@@ -3349,35 +3354,12 @@
               </a:lnSpc>
             </a:pPr>
             <a:r>
-              <a:rPr lang="en-IN" sz="4900" dirty="0" smtClean="0">
+              <a:rPr lang="en-IN" sz="4900" dirty="0">
                 <a:solidFill>
                   <a:schemeClr val="bg1"/>
                 </a:solidFill>
               </a:rPr>
               <a:t>Geo_Share Mobile Application</a:t>
-            </a:r>
-            <a:r>
-              <a:rPr lang="en-IN" sz="4400" dirty="0" smtClean="0">
-                <a:solidFill>
-                  <a:schemeClr val="bg1"/>
-                </a:solidFill>
-              </a:rPr>
-              <a:t/>
-            </a:r>
-            <a:br>
-              <a:rPr lang="en-IN" sz="4400" dirty="0" smtClean="0">
-                <a:solidFill>
-                  <a:schemeClr val="bg1"/>
-                </a:solidFill>
-              </a:rPr>
-            </a:br>
-            <a:r>
-              <a:rPr lang="en-IN" sz="4400" dirty="0">
-                <a:solidFill>
-                  <a:schemeClr val="bg1"/>
-                </a:solidFill>
-              </a:rPr>
-              <a:t/>
             </a:r>
             <a:br>
               <a:rPr lang="en-IN" sz="4400" dirty="0">
@@ -3386,39 +3368,115 @@
                 </a:solidFill>
               </a:rPr>
             </a:br>
-            <a:r>
-              <a:rPr lang="en-IN" sz="1400" b="1" dirty="0" smtClean="0">
+            <a:br>
+              <a:rPr lang="en-IN" sz="4400" dirty="0">
+                <a:solidFill>
+                  <a:schemeClr val="bg1"/>
+                </a:solidFill>
+              </a:rPr>
+            </a:br>
+            <a:r>
+              <a:rPr lang="en-IN" sz="1400" b="1" dirty="0">
                 <a:solidFill>
                   <a:schemeClr val="bg1"/>
                 </a:solidFill>
               </a:rPr>
               <a:t>Made by:-</a:t>
             </a:r>
-            <a:r>
-              <a:rPr lang="en-IN" sz="1400" dirty="0" smtClean="0">
-                <a:solidFill>
-                  <a:schemeClr val="bg1"/>
-                </a:solidFill>
-              </a:rPr>
-              <a:t/>
-            </a:r>
             <a:br>
-              <a:rPr lang="en-IN" sz="1400" dirty="0" smtClean="0">
+              <a:rPr lang="en-IN" sz="1400" dirty="0">
                 <a:solidFill>
                   <a:schemeClr val="bg1"/>
                 </a:solidFill>
               </a:rPr>
             </a:br>
             <a:r>
-              <a:rPr lang="en-IN" sz="1400" dirty="0" err="1" smtClean="0">
+              <a:rPr lang="en-IN" sz="1400" dirty="0">
                 <a:solidFill>
                   <a:schemeClr val="bg1"/>
                 </a:solidFill>
               </a:rPr>
-              <a:t>Ajinkya</a:t>
-            </a:r>
-            <a:r>
-              <a:rPr lang="en-IN" sz="1400" dirty="0" smtClean="0">
+              <a:t>Ajinkya </a:t>
+            </a:r>
+            <a:r>
+              <a:rPr lang="en-IN" sz="1400" dirty="0" err="1">
+                <a:solidFill>
+                  <a:schemeClr val="bg1"/>
+                </a:solidFill>
+              </a:rPr>
+              <a:t>Bedekar</a:t>
+            </a:r>
+            <a:r>
+              <a:rPr lang="en-IN" sz="1400" dirty="0">
+                <a:solidFill>
+                  <a:schemeClr val="bg1"/>
+                </a:solidFill>
+              </a:rPr>
+              <a:t>(U101116fcs183)</a:t>
+            </a:r>
+            <a:br>
+              <a:rPr lang="en-IN" sz="1400" dirty="0">
+                <a:solidFill>
+                  <a:schemeClr val="bg1"/>
+                </a:solidFill>
+              </a:rPr>
+            </a:br>
+            <a:r>
+              <a:rPr lang="en-IN" sz="1400" dirty="0">
+                <a:solidFill>
+                  <a:schemeClr val="bg1"/>
+                </a:solidFill>
+              </a:rPr>
+              <a:t>Kenneth </a:t>
+            </a:r>
+            <a:r>
+              <a:rPr lang="en-IN" sz="1400" dirty="0" err="1">
+                <a:solidFill>
+                  <a:schemeClr val="bg1"/>
+                </a:solidFill>
+              </a:rPr>
+              <a:t>prabhakaran</a:t>
+            </a:r>
+            <a:r>
+              <a:rPr lang="en-IN" sz="1400" dirty="0">
+                <a:solidFill>
+                  <a:schemeClr val="bg1"/>
+                </a:solidFill>
+              </a:rPr>
+              <a:t>(u101116fcs275)</a:t>
+            </a:r>
+            <a:br>
+              <a:rPr lang="en-IN" sz="1400" dirty="0">
+                <a:solidFill>
+                  <a:schemeClr val="bg1"/>
+                </a:solidFill>
+              </a:rPr>
+            </a:br>
+            <a:r>
+              <a:rPr lang="en-IN" sz="1400" dirty="0">
+                <a:solidFill>
+                  <a:schemeClr val="bg1"/>
+                </a:solidFill>
+              </a:rPr>
+              <a:t>Dhruva Agarwal(u101116fcs177)</a:t>
+            </a:r>
+            <a:br>
+              <a:rPr lang="en-IN" sz="1400" dirty="0">
+                <a:solidFill>
+                  <a:schemeClr val="bg1"/>
+                </a:solidFill>
+              </a:rPr>
+            </a:br>
+            <a:r>
+              <a:rPr lang="en-IN" sz="1400" dirty="0" err="1">
+                <a:solidFill>
+                  <a:schemeClr val="bg1"/>
+                </a:solidFill>
+              </a:rPr>
+              <a:t>biren</a:t>
+            </a:r>
+            <a:r>
+              <a:rPr lang="en-IN" sz="1400" dirty="0">
                 <a:solidFill>
                   <a:schemeClr val="bg1"/>
                 </a:solidFill>
@@ -3426,92 +3484,7 @@
               <a:t> </a:t>
             </a:r>
             <a:r>
-              <a:rPr lang="en-IN" sz="1400" dirty="0" err="1" smtClean="0">
-                <a:solidFill>
-                  <a:schemeClr val="bg1"/>
-                </a:solidFill>
-              </a:rPr>
-              <a:t>Bedekar</a:t>
-            </a:r>
-            <a:r>
-              <a:rPr lang="en-IN" sz="1400" dirty="0" smtClean="0">
-                <a:solidFill>
-                  <a:schemeClr val="bg1"/>
-                </a:solidFill>
-              </a:rPr>
-              <a:t>(U101116fcs177)</a:t>
-            </a:r>
-            <a:br>
-              <a:rPr lang="en-IN" sz="1400" dirty="0" smtClean="0">
-                <a:solidFill>
-                  <a:schemeClr val="bg1"/>
-                </a:solidFill>
-              </a:rPr>
-            </a:br>
-            <a:r>
-              <a:rPr lang="en-IN" sz="1400" dirty="0" smtClean="0">
-                <a:solidFill>
-                  <a:schemeClr val="bg1"/>
-                </a:solidFill>
-              </a:rPr>
-              <a:t>Kenneth </a:t>
-            </a:r>
-            <a:r>
-              <a:rPr lang="en-IN" sz="1400" dirty="0" err="1" smtClean="0">
-                <a:solidFill>
-                  <a:schemeClr val="bg1"/>
-                </a:solidFill>
-              </a:rPr>
-              <a:t>prabhakaran</a:t>
-            </a:r>
-            <a:r>
-              <a:rPr lang="en-IN" sz="1400" dirty="0" smtClean="0">
-                <a:solidFill>
-                  <a:schemeClr val="bg1"/>
-                </a:solidFill>
-              </a:rPr>
-              <a:t>(u101116fcs275)</a:t>
-            </a:r>
-            <a:br>
-              <a:rPr lang="en-IN" sz="1400" dirty="0" smtClean="0">
-                <a:solidFill>
-                  <a:schemeClr val="bg1"/>
-                </a:solidFill>
-              </a:rPr>
-            </a:br>
-            <a:r>
-              <a:rPr lang="en-IN" sz="1400" dirty="0" smtClean="0">
-                <a:solidFill>
-                  <a:schemeClr val="bg1"/>
-                </a:solidFill>
-              </a:rPr>
-              <a:t>Dhruva Agarwal(u101116fcs177)</a:t>
-            </a:r>
-            <a:br>
-              <a:rPr lang="en-IN" sz="1400" dirty="0" smtClean="0">
-                <a:solidFill>
-                  <a:schemeClr val="bg1"/>
-                </a:solidFill>
-              </a:rPr>
-            </a:br>
-            <a:r>
-              <a:rPr lang="en-IN" sz="1400" dirty="0" err="1" smtClean="0">
-                <a:solidFill>
-                  <a:schemeClr val="bg1"/>
-                </a:solidFill>
-              </a:rPr>
-              <a:t>biren</a:t>
-            </a:r>
-            <a:r>
-              <a:rPr lang="en-IN" sz="1400" dirty="0" smtClean="0">
-                <a:solidFill>
-                  <a:schemeClr val="bg1"/>
-                </a:solidFill>
-              </a:rPr>
-              <a:t> </a:t>
-            </a:r>
-            <a:r>
-              <a:rPr lang="en-IN" sz="1400" dirty="0" err="1" smtClean="0">
+              <a:rPr lang="en-IN" sz="1400" dirty="0" err="1">
                 <a:solidFill>
                   <a:schemeClr val="bg1"/>
                 </a:solidFill>
@@ -3519,7 +3492,7 @@
               <a:t>sharma</a:t>
             </a:r>
             <a:r>
-              <a:rPr lang="en-IN" sz="1400" dirty="0" smtClean="0">
+              <a:rPr lang="en-IN" sz="1400" dirty="0">
                 <a:solidFill>
                   <a:schemeClr val="bg1"/>
                 </a:solidFill>
@@ -3544,13 +3517,6 @@
   <p:clrMapOvr>
     <a:masterClrMapping/>
   </p:clrMapOvr>
-  <p:timing>
-    <p:tnLst>
-      <p:par>
-        <p:cTn id="1" dur="indefinite" restart="never" nodeType="tmRoot"/>
-      </p:par>
-    </p:tnLst>
-  </p:timing>
 </p:sld>
 </file>
 
@@ -3594,10 +3560,9 @@
           <a:lstStyle/>
           <a:p>
             <a:r>
-              <a:rPr lang="en-IN" sz="3600" dirty="0" smtClean="0"/>
+              <a:rPr lang="en-IN" sz="3600" dirty="0"/>
               <a:t>Collaborate with the clients easily and securely</a:t>
             </a:r>
-            <a:endParaRPr lang="en-IN" sz="3600" dirty="0"/>
           </a:p>
         </p:txBody>
       </p:sp>
@@ -3641,13 +3606,6 @@
   <p:clrMapOvr>
     <a:masterClrMapping/>
   </p:clrMapOvr>
-  <p:timing>
-    <p:tnLst>
-      <p:par>
-        <p:cTn id="1" dur="indefinite" restart="never" nodeType="tmRoot"/>
-      </p:par>
-    </p:tnLst>
-  </p:timing>
 </p:sld>
 </file>
 
@@ -3691,10 +3649,9 @@
           <a:lstStyle/>
           <a:p>
             <a:r>
-              <a:rPr lang="en-IN" sz="3600" dirty="0" smtClean="0"/>
+              <a:rPr lang="en-IN" sz="3600" dirty="0"/>
               <a:t>Keep your files to yourself with geo-fence</a:t>
             </a:r>
-            <a:endParaRPr lang="en-IN" sz="3600" dirty="0"/>
           </a:p>
         </p:txBody>
       </p:sp>
@@ -3738,13 +3695,6 @@
   <p:clrMapOvr>
     <a:masterClrMapping/>
   </p:clrMapOvr>
-  <p:timing>
-    <p:tnLst>
-      <p:par>
-        <p:cTn id="1" dur="indefinite" restart="never" nodeType="tmRoot"/>
-      </p:par>
-    </p:tnLst>
-  </p:timing>
 </p:sld>
 </file>
 
@@ -3788,10 +3738,9 @@
           <a:lstStyle/>
           <a:p>
             <a:r>
-              <a:rPr lang="en-IN" sz="6000" dirty="0" smtClean="0"/>
+              <a:rPr lang="en-IN" sz="6000" dirty="0"/>
               <a:t>How To Use</a:t>
             </a:r>
-            <a:endParaRPr lang="en-IN" sz="6000" dirty="0"/>
           </a:p>
         </p:txBody>
       </p:sp>
@@ -3805,13 +3754,6 @@
   <p:clrMapOvr>
     <a:masterClrMapping/>
   </p:clrMapOvr>
-  <p:timing>
-    <p:tnLst>
-      <p:par>
-        <p:cTn id="1" dur="indefinite" restart="never" nodeType="tmRoot"/>
-      </p:par>
-    </p:tnLst>
-  </p:timing>
 </p:sld>
 </file>
 
@@ -3965,10 +3907,9 @@
           <a:p>
             <a:pPr algn="ctr"/>
             <a:r>
-              <a:rPr lang="en-IN" dirty="0" smtClean="0"/>
+              <a:rPr lang="en-IN" dirty="0"/>
               <a:t>Click here to skip the introduction </a:t>
             </a:r>
-            <a:endParaRPr lang="en-IN" dirty="0"/>
           </a:p>
         </p:txBody>
       </p:sp>
@@ -4009,10 +3950,9 @@
           <a:p>
             <a:pPr algn="ctr"/>
             <a:r>
-              <a:rPr lang="en-IN" dirty="0" smtClean="0"/>
+              <a:rPr lang="en-IN" dirty="0"/>
               <a:t>Click here to know more about our App</a:t>
             </a:r>
-            <a:endParaRPr lang="en-IN" dirty="0"/>
           </a:p>
         </p:txBody>
       </p:sp>
@@ -4051,10 +3991,9 @@
           <a:p>
             <a:pPr algn="ctr"/>
             <a:r>
-              <a:rPr lang="en-IN" sz="6000" dirty="0" smtClean="0"/>
+              <a:rPr lang="en-IN" sz="6000" dirty="0"/>
               <a:t>App Featured Pages</a:t>
             </a:r>
-            <a:endParaRPr lang="en-IN" sz="6000" dirty="0"/>
           </a:p>
         </p:txBody>
       </p:sp>
@@ -4068,13 +4007,6 @@
   <p:clrMapOvr>
     <a:masterClrMapping/>
   </p:clrMapOvr>
-  <p:timing>
-    <p:tnLst>
-      <p:par>
-        <p:cTn id="1" dur="indefinite" restart="never" nodeType="tmRoot"/>
-      </p:par>
-    </p:tnLst>
-  </p:timing>
 </p:sld>
 </file>
 
@@ -4230,10 +4162,9 @@
           <a:p>
             <a:pPr algn="ctr"/>
             <a:r>
-              <a:rPr lang="en-IN" dirty="0" smtClean="0"/>
+              <a:rPr lang="en-IN" dirty="0"/>
               <a:t>Click the login button to go to your Dashboard</a:t>
             </a:r>
-            <a:endParaRPr lang="en-IN" dirty="0"/>
           </a:p>
         </p:txBody>
       </p:sp>
@@ -4274,10 +4205,9 @@
           <a:p>
             <a:pPr algn="ctr"/>
             <a:r>
-              <a:rPr lang="en-IN" dirty="0" smtClean="0"/>
+              <a:rPr lang="en-IN" dirty="0"/>
               <a:t>Click here to Register if you are a new User</a:t>
             </a:r>
-            <a:endParaRPr lang="en-IN" dirty="0"/>
           </a:p>
         </p:txBody>
       </p:sp>
@@ -4316,10 +4246,9 @@
           <a:p>
             <a:pPr algn="ctr"/>
             <a:r>
-              <a:rPr lang="en-IN" sz="6000" dirty="0" smtClean="0"/>
+              <a:rPr lang="en-IN" sz="6000" dirty="0"/>
               <a:t>Login Page</a:t>
             </a:r>
-            <a:endParaRPr lang="en-IN" sz="6000" dirty="0"/>
           </a:p>
         </p:txBody>
       </p:sp>
@@ -4333,13 +4262,6 @@
   <p:clrMapOvr>
     <a:masterClrMapping/>
   </p:clrMapOvr>
-  <p:timing>
-    <p:tnLst>
-      <p:par>
-        <p:cTn id="1" dur="indefinite" restart="never" nodeType="tmRoot"/>
-      </p:par>
-    </p:tnLst>
-  </p:timing>
 </p:sld>
 </file>
 
@@ -4493,10 +4415,9 @@
           <a:p>
             <a:pPr algn="ctr"/>
             <a:r>
-              <a:rPr lang="en-IN" dirty="0" smtClean="0"/>
+              <a:rPr lang="en-IN" dirty="0"/>
               <a:t>Click here to register in the App	</a:t>
             </a:r>
-            <a:endParaRPr lang="en-IN" dirty="0"/>
           </a:p>
         </p:txBody>
       </p:sp>
@@ -4537,10 +4458,9 @@
           <a:p>
             <a:pPr algn="ctr"/>
             <a:r>
-              <a:rPr lang="en-IN" dirty="0" smtClean="0"/>
+              <a:rPr lang="en-IN" dirty="0"/>
               <a:t>If you are already registered, click here</a:t>
             </a:r>
-            <a:endParaRPr lang="en-IN" dirty="0"/>
           </a:p>
         </p:txBody>
       </p:sp>
@@ -4579,10 +4499,9 @@
           <a:p>
             <a:pPr algn="ctr"/>
             <a:r>
-              <a:rPr lang="en-IN" sz="6000" dirty="0" smtClean="0"/>
+              <a:rPr lang="en-IN" sz="6000" dirty="0"/>
               <a:t>Register Page</a:t>
             </a:r>
-            <a:endParaRPr lang="en-IN" sz="6000" dirty="0"/>
           </a:p>
         </p:txBody>
       </p:sp>
@@ -4596,13 +4515,6 @@
   <p:clrMapOvr>
     <a:masterClrMapping/>
   </p:clrMapOvr>
-  <p:timing>
-    <p:tnLst>
-      <p:par>
-        <p:cTn id="1" dur="indefinite" restart="never" nodeType="tmRoot"/>
-      </p:par>
-    </p:tnLst>
-  </p:timing>
 </p:sld>
 </file>
 
@@ -4690,10 +4602,9 @@
           <a:p>
             <a:pPr algn="ctr"/>
             <a:r>
-              <a:rPr lang="en-IN" dirty="0" smtClean="0"/>
+              <a:rPr lang="en-IN" dirty="0"/>
               <a:t>1. Click here to select a file to be uploaded</a:t>
             </a:r>
-            <a:endParaRPr lang="en-IN" dirty="0"/>
           </a:p>
         </p:txBody>
       </p:sp>
@@ -4734,10 +4645,9 @@
           <a:p>
             <a:pPr algn="ctr"/>
             <a:r>
-              <a:rPr lang="en-IN" dirty="0" smtClean="0"/>
+              <a:rPr lang="en-IN" dirty="0"/>
               <a:t>2. Enter an access key to upload a file</a:t>
             </a:r>
-            <a:endParaRPr lang="en-IN" dirty="0"/>
           </a:p>
         </p:txBody>
       </p:sp>
@@ -4778,10 +4688,9 @@
           <a:p>
             <a:pPr algn="ctr"/>
             <a:r>
-              <a:rPr lang="en-IN" dirty="0" smtClean="0"/>
+              <a:rPr lang="en-IN" dirty="0"/>
               <a:t>3. Enter a radius for the secure region</a:t>
             </a:r>
-            <a:endParaRPr lang="en-IN" dirty="0"/>
           </a:p>
         </p:txBody>
       </p:sp>
@@ -4822,10 +4731,9 @@
           <a:p>
             <a:pPr algn="ctr"/>
             <a:r>
-              <a:rPr lang="en-IN" dirty="0" smtClean="0"/>
+              <a:rPr lang="en-IN" dirty="0"/>
               <a:t>4. Click here to finally upload the file</a:t>
             </a:r>
-            <a:endParaRPr lang="en-IN" dirty="0"/>
           </a:p>
         </p:txBody>
       </p:sp>
@@ -4866,10 +4774,9 @@
           <a:p>
             <a:pPr algn="ctr"/>
             <a:r>
-              <a:rPr lang="en-IN" dirty="0" smtClean="0"/>
+              <a:rPr lang="en-IN" dirty="0"/>
               <a:t>Enter the access key for the file you want to download</a:t>
             </a:r>
-            <a:endParaRPr lang="en-IN" dirty="0"/>
           </a:p>
         </p:txBody>
       </p:sp>
@@ -4910,10 +4817,9 @@
           <a:p>
             <a:pPr algn="ctr"/>
             <a:r>
-              <a:rPr lang="en-IN" dirty="0" smtClean="0"/>
+              <a:rPr lang="en-IN" dirty="0"/>
               <a:t>Click here to Download the file</a:t>
             </a:r>
-            <a:endParaRPr lang="en-IN" dirty="0"/>
           </a:p>
         </p:txBody>
       </p:sp>
@@ -5160,10 +5066,9 @@
           <a:p>
             <a:pPr algn="ctr"/>
             <a:r>
-              <a:rPr lang="en-IN" sz="4800" dirty="0" smtClean="0"/>
+              <a:rPr lang="en-IN" sz="4800" dirty="0"/>
               <a:t>Dashboard</a:t>
             </a:r>
-            <a:endParaRPr lang="en-IN" sz="4800" dirty="0"/>
           </a:p>
         </p:txBody>
       </p:sp>
@@ -5177,13 +5082,6 @@
   <p:clrMapOvr>
     <a:masterClrMapping/>
   </p:clrMapOvr>
-  <p:timing>
-    <p:tnLst>
-      <p:par>
-        <p:cTn id="1" dur="indefinite" restart="never" nodeType="tmRoot"/>
-      </p:par>
-    </p:tnLst>
-  </p:timing>
 </p:sld>
 </file>
 
@@ -5227,10 +5125,9 @@
           <a:lstStyle/>
           <a:p>
             <a:r>
-              <a:rPr lang="en-IN" sz="4400" dirty="0" smtClean="0"/>
+              <a:rPr lang="en-IN" sz="4400" dirty="0"/>
               <a:t>Difficulties Faced</a:t>
             </a:r>
-            <a:endParaRPr lang="en-IN" sz="4400" dirty="0"/>
           </a:p>
         </p:txBody>
       </p:sp>
@@ -5257,42 +5154,42 @@
           <a:lstStyle/>
           <a:p>
             <a:r>
-              <a:rPr lang="en-IN" sz="2000" dirty="0" smtClean="0"/>
+              <a:rPr lang="en-IN" sz="2000" dirty="0"/>
               <a:t>We were unable to properly retrieve the file name/ URL from the device storage.</a:t>
             </a:r>
           </a:p>
           <a:p>
             <a:r>
-              <a:rPr lang="en-IN" sz="2000" dirty="0" smtClean="0"/>
+              <a:rPr lang="en-IN" sz="2000" dirty="0"/>
               <a:t>Capturing the location of the devices after the first time as it was returning all the null values.</a:t>
             </a:r>
           </a:p>
           <a:p>
             <a:r>
-              <a:rPr lang="en-IN" sz="2000" dirty="0" smtClean="0"/>
+              <a:rPr lang="en-IN" sz="2000" dirty="0"/>
               <a:t>Calculating the unit for radius of area as the difference in two latitude and longitudes change as we go far from the equator.</a:t>
             </a:r>
           </a:p>
           <a:p>
             <a:r>
-              <a:rPr lang="en-IN" sz="2000" dirty="0" smtClean="0"/>
+              <a:rPr lang="en-IN" sz="2000" dirty="0"/>
               <a:t>Geo-fencing was a totally new chapter for us to learn and it took a while to get used to it.</a:t>
             </a:r>
           </a:p>
           <a:p>
             <a:r>
-              <a:rPr lang="en-IN" sz="2000" dirty="0" smtClean="0"/>
+              <a:rPr lang="en-IN" sz="2000" dirty="0"/>
               <a:t>When downloading the files, in the beginning the app was crashing as there was an issue with the location function.</a:t>
             </a:r>
           </a:p>
           <a:p>
             <a:r>
-              <a:rPr lang="en-IN" sz="2000" dirty="0" smtClean="0"/>
+              <a:rPr lang="en-IN" sz="2000" dirty="0"/>
               <a:t>Downloading file into the same device creates an issue and it does not download the file.</a:t>
             </a:r>
           </a:p>
           <a:p>
-            <a:endParaRPr lang="en-IN" dirty="0" smtClean="0"/>
+            <a:endParaRPr lang="en-IN" dirty="0"/>
           </a:p>
           <a:p>
             <a:endParaRPr lang="en-IN" dirty="0"/>
@@ -5309,13 +5206,6 @@
   <p:clrMapOvr>
     <a:masterClrMapping/>
   </p:clrMapOvr>
-  <p:timing>
-    <p:tnLst>
-      <p:par>
-        <p:cTn id="1" dur="indefinite" restart="never" nodeType="tmRoot"/>
-      </p:par>
-    </p:tnLst>
-  </p:timing>
 </p:sld>
 </file>
 
@@ -5359,16 +5249,8 @@
           <a:lstStyle/>
           <a:p>
             <a:r>
-              <a:rPr lang="en-US" sz="4800" dirty="0" smtClean="0"/>
-              <a:t>Functionalities </a:t>
-            </a:r>
-            <a:r>
               <a:rPr lang="en-US" sz="4800" dirty="0"/>
-              <a:t>fulfilled by the </a:t>
-            </a:r>
-            <a:r>
-              <a:rPr lang="en-US" sz="4800" dirty="0" smtClean="0"/>
-              <a:t>project</a:t>
+              <a:t>Functionalities fulfilled by the project</a:t>
             </a:r>
             <a:endParaRPr lang="en-IN" sz="4800" dirty="0"/>
           </a:p>
@@ -5405,11 +5287,7 @@
             </a:pPr>
             <a:r>
               <a:rPr lang="en-US" sz="2000" dirty="0"/>
-              <a:t>A user can easily share any number of files of any size from anywhere, anytime to the people they desire to share</a:t>
-            </a:r>
-            <a:r>
-              <a:rPr lang="en-US" sz="2000" dirty="0" smtClean="0"/>
-              <a:t>.</a:t>
+              <a:t>A user can easily share any number of files of any size from anywhere, anytime to the people they desire to share.</a:t>
             </a:r>
           </a:p>
           <a:p>
@@ -5473,13 +5351,6 @@
   <p:clrMapOvr>
     <a:masterClrMapping/>
   </p:clrMapOvr>
-  <p:timing>
-    <p:tnLst>
-      <p:par>
-        <p:cTn id="1" dur="indefinite" restart="never" nodeType="tmRoot"/>
-      </p:par>
-    </p:tnLst>
-  </p:timing>
 </p:sld>
 </file>
 
@@ -5521,14 +5392,13 @@
           <a:lstStyle/>
           <a:p>
             <a:r>
-              <a:rPr lang="en-IN" sz="6000" dirty="0" smtClean="0"/>
+              <a:rPr lang="en-IN" sz="6000" dirty="0"/>
               <a:t> objectives</a:t>
             </a:r>
             <a:r>
-              <a:rPr lang="en-IN" dirty="0" smtClean="0"/>
+              <a:rPr lang="en-IN" dirty="0"/>
               <a:t>		</a:t>
             </a:r>
-            <a:endParaRPr lang="en-IN" dirty="0"/>
           </a:p>
         </p:txBody>
       </p:sp>
@@ -5542,13 +5412,6 @@
   <p:clrMapOvr>
     <a:masterClrMapping/>
   </p:clrMapOvr>
-  <p:timing>
-    <p:tnLst>
-      <p:par>
-        <p:cTn id="1" dur="indefinite" restart="never" nodeType="tmRoot"/>
-      </p:par>
-    </p:tnLst>
-  </p:timing>
 </p:sld>
 </file>
 
@@ -5592,10 +5455,9 @@
           <a:lstStyle/>
           <a:p>
             <a:r>
-              <a:rPr lang="en-IN" sz="3600" dirty="0" smtClean="0"/>
+              <a:rPr lang="en-IN" sz="3600" dirty="0"/>
               <a:t>Share any type of file from anywhere</a:t>
             </a:r>
-            <a:endParaRPr lang="en-IN" sz="3600" dirty="0"/>
           </a:p>
         </p:txBody>
       </p:sp>
@@ -5639,13 +5501,6 @@
   <p:clrMapOvr>
     <a:masterClrMapping/>
   </p:clrMapOvr>
-  <p:timing>
-    <p:tnLst>
-      <p:par>
-        <p:cTn id="1" dur="indefinite" restart="never" nodeType="tmRoot"/>
-      </p:par>
-    </p:tnLst>
-  </p:timing>
 </p:sld>
 </file>
 
@@ -5689,10 +5544,9 @@
           <a:lstStyle/>
           <a:p>
             <a:r>
-              <a:rPr lang="en-IN" sz="3600" dirty="0" smtClean="0"/>
+              <a:rPr lang="en-IN" sz="3600" dirty="0"/>
               <a:t>We won’t cut you short with your file size</a:t>
             </a:r>
-            <a:endParaRPr lang="en-IN" sz="3600" dirty="0"/>
           </a:p>
         </p:txBody>
       </p:sp>
@@ -5736,13 +5590,6 @@
   <p:clrMapOvr>
     <a:masterClrMapping/>
   </p:clrMapOvr>
-  <p:timing>
-    <p:tnLst>
-      <p:par>
-        <p:cTn id="1" dur="indefinite" restart="never" nodeType="tmRoot"/>
-      </p:par>
-    </p:tnLst>
-  </p:timing>
 </p:sld>
 </file>
 
@@ -5786,17 +5633,16 @@
           <a:lstStyle/>
           <a:p>
             <a:r>
-              <a:rPr lang="en-IN" sz="3600" dirty="0" smtClean="0"/>
+              <a:rPr lang="en-IN" sz="3600" dirty="0"/>
               <a:t>We have it secure!!!</a:t>
             </a:r>
             <a:br>
-              <a:rPr lang="en-IN" sz="3600" dirty="0" smtClean="0"/>
+              <a:rPr lang="en-IN" sz="3600" dirty="0"/>
             </a:br>
             <a:r>
-              <a:rPr lang="en-IN" sz="3600" dirty="0" smtClean="0"/>
+              <a:rPr lang="en-IN" sz="3600" dirty="0"/>
               <a:t>Yes, it’s safe</a:t>
             </a:r>
-            <a:endParaRPr lang="en-IN" sz="3600" dirty="0"/>
           </a:p>
         </p:txBody>
       </p:sp>
@@ -5840,13 +5686,6 @@
   <p:clrMapOvr>
     <a:masterClrMapping/>
   </p:clrMapOvr>
-  <p:timing>
-    <p:tnLst>
-      <p:par>
-        <p:cTn id="1" dur="indefinite" restart="never" nodeType="tmRoot"/>
-      </p:par>
-    </p:tnLst>
-  </p:timing>
 </p:sld>
 </file>
 
@@ -5890,10 +5729,9 @@
           <a:lstStyle/>
           <a:p>
             <a:r>
-              <a:rPr lang="en-IN" sz="3600" dirty="0" smtClean="0"/>
+              <a:rPr lang="en-IN" sz="3600" dirty="0"/>
               <a:t>Store any number of files without hassle</a:t>
             </a:r>
-            <a:endParaRPr lang="en-IN" sz="3600" dirty="0"/>
           </a:p>
         </p:txBody>
       </p:sp>
@@ -5937,13 +5775,6 @@
   <p:clrMapOvr>
     <a:masterClrMapping/>
   </p:clrMapOvr>
-  <p:timing>
-    <p:tnLst>
-      <p:par>
-        <p:cTn id="1" dur="indefinite" restart="never" nodeType="tmRoot"/>
-      </p:par>
-    </p:tnLst>
-  </p:timing>
 </p:sld>
 </file>
 
@@ -5987,10 +5818,9 @@
           <a:lstStyle/>
           <a:p>
             <a:r>
-              <a:rPr lang="en-IN" sz="3600" dirty="0" smtClean="0"/>
+              <a:rPr lang="en-IN" sz="3600" dirty="0"/>
               <a:t>Solely share your ideas and files to multiple clients</a:t>
             </a:r>
-            <a:endParaRPr lang="en-IN" sz="3600" dirty="0"/>
           </a:p>
         </p:txBody>
       </p:sp>
@@ -6034,13 +5864,6 @@
   <p:clrMapOvr>
     <a:masterClrMapping/>
   </p:clrMapOvr>
-  <p:timing>
-    <p:tnLst>
-      <p:par>
-        <p:cTn id="1" dur="indefinite" restart="never" nodeType="tmRoot"/>
-      </p:par>
-    </p:tnLst>
-  </p:timing>
 </p:sld>
 </file>
 
@@ -6082,7 +5905,7 @@
           <a:lstStyle/>
           <a:p>
             <a:r>
-              <a:rPr lang="en-IN" sz="6000" dirty="0" smtClean="0"/>
+              <a:rPr lang="en-IN" sz="6000" dirty="0"/>
               <a:t>Features</a:t>
             </a:r>
             <a:endParaRPr lang="en-IN" dirty="0"/>
@@ -6099,13 +5922,6 @@
   <p:clrMapOvr>
     <a:masterClrMapping/>
   </p:clrMapOvr>
-  <p:timing>
-    <p:tnLst>
-      <p:par>
-        <p:cTn id="1" dur="indefinite" restart="never" nodeType="tmRoot"/>
-      </p:par>
-    </p:tnLst>
-  </p:timing>
 </p:sld>
 </file>
 
@@ -6149,10 +5965,9 @@
           <a:lstStyle/>
           <a:p>
             <a:r>
-              <a:rPr lang="en-IN" sz="3600" dirty="0" smtClean="0"/>
+              <a:rPr lang="en-IN" sz="3600" dirty="0"/>
               <a:t>Smart file sharing app</a:t>
             </a:r>
-            <a:endParaRPr lang="en-IN" sz="3600" dirty="0"/>
           </a:p>
         </p:txBody>
       </p:sp>
@@ -6196,13 +6011,6 @@
   <p:clrMapOvr>
     <a:masterClrMapping/>
   </p:clrMapOvr>
-  <p:timing>
-    <p:tnLst>
-      <p:par>
-        <p:cTn id="1" dur="indefinite" restart="never" nodeType="tmRoot"/>
-      </p:par>
-    </p:tnLst>
-  </p:timing>
 </p:sld>
 </file>
 
